--- a/myppt.pptx
+++ b/myppt.pptx
@@ -286,7 +286,7 @@
             <a:fld id="{1D8BD707-D9CF-40AE-B4C6-C98DA3205C09}" type="datetimeFigureOut">
               <a:rPr lang="en-US" smtClean="0"/>
               <a:pPr/>
-              <a:t>9/18/2006</a:t>
+              <a:t>11/4/2019</a:t>
             </a:fld>
             <a:endParaRPr lang="en-US"/>
           </a:p>
@@ -453,7 +453,7 @@
             <a:fld id="{1D8BD707-D9CF-40AE-B4C6-C98DA3205C09}" type="datetimeFigureOut">
               <a:rPr lang="en-US" smtClean="0"/>
               <a:pPr/>
-              <a:t>9/18/2006</a:t>
+              <a:t>11/4/2019</a:t>
             </a:fld>
             <a:endParaRPr lang="en-US"/>
           </a:p>
@@ -630,7 +630,7 @@
             <a:fld id="{1D8BD707-D9CF-40AE-B4C6-C98DA3205C09}" type="datetimeFigureOut">
               <a:rPr lang="en-US" smtClean="0"/>
               <a:pPr/>
-              <a:t>9/18/2006</a:t>
+              <a:t>11/4/2019</a:t>
             </a:fld>
             <a:endParaRPr lang="en-US"/>
           </a:p>
@@ -797,7 +797,7 @@
             <a:fld id="{1D8BD707-D9CF-40AE-B4C6-C98DA3205C09}" type="datetimeFigureOut">
               <a:rPr lang="en-US" smtClean="0"/>
               <a:pPr/>
-              <a:t>9/18/2006</a:t>
+              <a:t>11/4/2019</a:t>
             </a:fld>
             <a:endParaRPr lang="en-US"/>
           </a:p>
@@ -1040,7 +1040,7 @@
             <a:fld id="{1D8BD707-D9CF-40AE-B4C6-C98DA3205C09}" type="datetimeFigureOut">
               <a:rPr lang="en-US" smtClean="0"/>
               <a:pPr/>
-              <a:t>9/18/2006</a:t>
+              <a:t>11/4/2019</a:t>
             </a:fld>
             <a:endParaRPr lang="en-US"/>
           </a:p>
@@ -1325,7 +1325,7 @@
             <a:fld id="{1D8BD707-D9CF-40AE-B4C6-C98DA3205C09}" type="datetimeFigureOut">
               <a:rPr lang="en-US" smtClean="0"/>
               <a:pPr/>
-              <a:t>9/18/2006</a:t>
+              <a:t>11/4/2019</a:t>
             </a:fld>
             <a:endParaRPr lang="en-US"/>
           </a:p>
@@ -1744,7 +1744,7 @@
             <a:fld id="{1D8BD707-D9CF-40AE-B4C6-C98DA3205C09}" type="datetimeFigureOut">
               <a:rPr lang="en-US" smtClean="0"/>
               <a:pPr/>
-              <a:t>9/18/2006</a:t>
+              <a:t>11/4/2019</a:t>
             </a:fld>
             <a:endParaRPr lang="en-US"/>
           </a:p>
@@ -1859,7 +1859,7 @@
             <a:fld id="{1D8BD707-D9CF-40AE-B4C6-C98DA3205C09}" type="datetimeFigureOut">
               <a:rPr lang="en-US" smtClean="0"/>
               <a:pPr/>
-              <a:t>9/18/2006</a:t>
+              <a:t>11/4/2019</a:t>
             </a:fld>
             <a:endParaRPr lang="en-US"/>
           </a:p>
@@ -1951,7 +1951,7 @@
             <a:fld id="{1D8BD707-D9CF-40AE-B4C6-C98DA3205C09}" type="datetimeFigureOut">
               <a:rPr lang="en-US" smtClean="0"/>
               <a:pPr/>
-              <a:t>9/18/2006</a:t>
+              <a:t>11/4/2019</a:t>
             </a:fld>
             <a:endParaRPr lang="en-US"/>
           </a:p>
@@ -2225,7 +2225,7 @@
             <a:fld id="{1D8BD707-D9CF-40AE-B4C6-C98DA3205C09}" type="datetimeFigureOut">
               <a:rPr lang="en-US" smtClean="0"/>
               <a:pPr/>
-              <a:t>9/18/2006</a:t>
+              <a:t>11/4/2019</a:t>
             </a:fld>
             <a:endParaRPr lang="en-US"/>
           </a:p>
@@ -2475,7 +2475,7 @@
             <a:fld id="{1D8BD707-D9CF-40AE-B4C6-C98DA3205C09}" type="datetimeFigureOut">
               <a:rPr lang="en-US" smtClean="0"/>
               <a:pPr/>
-              <a:t>9/18/2006</a:t>
+              <a:t>11/4/2019</a:t>
             </a:fld>
             <a:endParaRPr lang="en-US"/>
           </a:p>
@@ -2685,7 +2685,7 @@
             <a:fld id="{1D8BD707-D9CF-40AE-B4C6-C98DA3205C09}" type="datetimeFigureOut">
               <a:rPr lang="en-US" smtClean="0"/>
               <a:pPr/>
-              <a:t>9/18/2006</a:t>
+              <a:t>11/4/2019</a:t>
             </a:fld>
             <a:endParaRPr lang="en-US"/>
           </a:p>
